--- a/PPT/DataScience14-KNN.pptx
+++ b/PPT/DataScience14-KNN.pptx
@@ -4044,6 +4044,13 @@
   <p:clrMapOvr>
     <a:masterClrMapping/>
   </p:clrMapOvr>
+  <p:timing>
+    <p:tnLst>
+      <p:par>
+        <p:cTn id="1" dur="indefinite" restart="never" nodeType="tmRoot"/>
+      </p:par>
+    </p:tnLst>
+  </p:timing>
 </p:sld>
 </file>
 
@@ -4217,6 +4224,13 @@
   <p:clrMapOvr>
     <a:masterClrMapping/>
   </p:clrMapOvr>
+  <p:timing>
+    <p:tnLst>
+      <p:par>
+        <p:cTn id="1" dur="indefinite" restart="never" nodeType="tmRoot"/>
+      </p:par>
+    </p:tnLst>
+  </p:timing>
 </p:sld>
 </file>
 
@@ -4473,6 +4487,13 @@
   <p:clrMapOvr>
     <a:masterClrMapping/>
   </p:clrMapOvr>
+  <p:timing>
+    <p:tnLst>
+      <p:par>
+        <p:cTn id="1" dur="indefinite" restart="never" nodeType="tmRoot"/>
+      </p:par>
+    </p:tnLst>
+  </p:timing>
 </p:sld>
 </file>
 
@@ -4771,6 +4792,13 @@
   <p:clrMapOvr>
     <a:masterClrMapping/>
   </p:clrMapOvr>
+  <p:timing>
+    <p:tnLst>
+      <p:par>
+        <p:cTn id="1" dur="indefinite" restart="never" nodeType="tmRoot"/>
+      </p:par>
+    </p:tnLst>
+  </p:timing>
 </p:sld>
 </file>
 
@@ -4905,6 +4933,13 @@
   <p:clrMapOvr>
     <a:masterClrMapping/>
   </p:clrMapOvr>
+  <p:timing>
+    <p:tnLst>
+      <p:par>
+        <p:cTn id="1" dur="indefinite" restart="never" nodeType="tmRoot"/>
+      </p:par>
+    </p:tnLst>
+  </p:timing>
 </p:sld>
 </file>
 
@@ -5035,6 +5070,13 @@
   <p:clrMapOvr>
     <a:masterClrMapping/>
   </p:clrMapOvr>
+  <p:timing>
+    <p:tnLst>
+      <p:par>
+        <p:cTn id="1" dur="indefinite" restart="never" nodeType="tmRoot"/>
+      </p:par>
+    </p:tnLst>
+  </p:timing>
 </p:sld>
 </file>
 
@@ -5882,6 +5924,13 @@
   <p:clrMapOvr>
     <a:masterClrMapping/>
   </p:clrMapOvr>
+  <p:timing>
+    <p:tnLst>
+      <p:par>
+        <p:cTn id="1" dur="indefinite" restart="never" nodeType="tmRoot"/>
+      </p:par>
+    </p:tnLst>
+  </p:timing>
 </p:sld>
 </file>
 
@@ -6211,6 +6260,13 @@
   <p:clrMapOvr>
     <a:masterClrMapping/>
   </p:clrMapOvr>
+  <p:timing>
+    <p:tnLst>
+      <p:par>
+        <p:cTn id="1" dur="indefinite" restart="never" nodeType="tmRoot"/>
+      </p:par>
+    </p:tnLst>
+  </p:timing>
 </p:sld>
 </file>
 
@@ -6376,6 +6432,13 @@
   <p:clrMapOvr>
     <a:masterClrMapping/>
   </p:clrMapOvr>
+  <p:timing>
+    <p:tnLst>
+      <p:par>
+        <p:cTn id="1" dur="indefinite" restart="never" nodeType="tmRoot"/>
+      </p:par>
+    </p:tnLst>
+  </p:timing>
 </p:sld>
 </file>
 
@@ -6517,6 +6580,13 @@
   <p:clrMapOvr>
     <a:masterClrMapping/>
   </p:clrMapOvr>
+  <p:timing>
+    <p:tnLst>
+      <p:par>
+        <p:cTn id="1" dur="indefinite" restart="never" nodeType="tmRoot"/>
+      </p:par>
+    </p:tnLst>
+  </p:timing>
 </p:sld>
 </file>
 
@@ -6697,6 +6767,13 @@
   <p:clrMapOvr>
     <a:masterClrMapping/>
   </p:clrMapOvr>
+  <p:timing>
+    <p:tnLst>
+      <p:par>
+        <p:cTn id="1" dur="indefinite" restart="never" nodeType="tmRoot"/>
+      </p:par>
+    </p:tnLst>
+  </p:timing>
 </p:sld>
 </file>
 
@@ -6869,6 +6946,13 @@
   <p:clrMapOvr>
     <a:masterClrMapping/>
   </p:clrMapOvr>
+  <p:timing>
+    <p:tnLst>
+      <p:par>
+        <p:cTn id="1" dur="indefinite" restart="never" nodeType="tmRoot"/>
+      </p:par>
+    </p:tnLst>
+  </p:timing>
 </p:sld>
 </file>
 
@@ -6962,6 +7046,13 @@
   <p:clrMapOvr>
     <a:masterClrMapping/>
   </p:clrMapOvr>
+  <p:timing>
+    <p:tnLst>
+      <p:par>
+        <p:cTn id="1" dur="indefinite" restart="never" nodeType="tmRoot"/>
+      </p:par>
+    </p:tnLst>
+  </p:timing>
 </p:sld>
 </file>
 
@@ -7078,6 +7169,13 @@
   <p:clrMapOvr>
     <a:masterClrMapping/>
   </p:clrMapOvr>
+  <p:timing>
+    <p:tnLst>
+      <p:par>
+        <p:cTn id="1" dur="indefinite" restart="never" nodeType="tmRoot"/>
+      </p:par>
+    </p:tnLst>
+  </p:timing>
 </p:sld>
 </file>
 
@@ -7178,6 +7276,13 @@
   <p:clrMapOvr>
     <a:masterClrMapping/>
   </p:clrMapOvr>
+  <p:timing>
+    <p:tnLst>
+      <p:par>
+        <p:cTn id="1" dur="indefinite" restart="never" nodeType="tmRoot"/>
+      </p:par>
+    </p:tnLst>
+  </p:timing>
 </p:sld>
 </file>
 
@@ -7303,6 +7408,13 @@
   <p:clrMapOvr>
     <a:masterClrMapping/>
   </p:clrMapOvr>
+  <p:timing>
+    <p:tnLst>
+      <p:par>
+        <p:cTn id="1" dur="indefinite" restart="never" nodeType="tmRoot"/>
+      </p:par>
+    </p:tnLst>
+  </p:timing>
 </p:sld>
 </file>
 
@@ -7434,6 +7546,13 @@
   <p:clrMapOvr>
     <a:masterClrMapping/>
   </p:clrMapOvr>
+  <p:timing>
+    <p:tnLst>
+      <p:par>
+        <p:cTn id="1" dur="indefinite" restart="never" nodeType="tmRoot"/>
+      </p:par>
+    </p:tnLst>
+  </p:timing>
 </p:sld>
 </file>
 
@@ -7551,6 +7670,13 @@
   <p:clrMapOvr>
     <a:masterClrMapping/>
   </p:clrMapOvr>
+  <p:timing>
+    <p:tnLst>
+      <p:par>
+        <p:cTn id="1" dur="indefinite" restart="never" nodeType="tmRoot"/>
+      </p:par>
+    </p:tnLst>
+  </p:timing>
 </p:sld>
 </file>
 
@@ -7669,8 +7795,13 @@
             <a:pPr lvl="1"/>
             <a:r>
               <a:rPr lang="fr-FR" dirty="0" smtClean="0"/>
-              <a:t>Si A est loin de B et B proche de C alors A est loin de B</a:t>
-            </a:r>
+              <a:t>Si A est loin de B et B proche de C alors A est loin de </a:t>
+            </a:r>
+            <a:r>
+              <a:rPr lang="fr-FR" dirty="0" smtClean="0"/>
+              <a:t>C</a:t>
+            </a:r>
+            <a:endParaRPr lang="fr-FR" dirty="0" smtClean="0"/>
           </a:p>
           <a:p>
             <a:pPr lvl="1"/>
@@ -7717,6 +7848,13 @@
   <p:clrMapOvr>
     <a:masterClrMapping/>
   </p:clrMapOvr>
+  <p:timing>
+    <p:tnLst>
+      <p:par>
+        <p:cTn id="1" dur="indefinite" restart="never" nodeType="tmRoot"/>
+      </p:par>
+    </p:tnLst>
+  </p:timing>
 </p:sld>
 </file>
 
@@ -7898,6 +8036,13 @@
   <p:clrMapOvr>
     <a:masterClrMapping/>
   </p:clrMapOvr>
+  <p:timing>
+    <p:tnLst>
+      <p:par>
+        <p:cTn id="1" dur="indefinite" restart="never" nodeType="tmRoot"/>
+      </p:par>
+    </p:tnLst>
+  </p:timing>
 </p:sld>
 </file>
 
@@ -8025,6 +8170,13 @@
   <p:clrMapOvr>
     <a:masterClrMapping/>
   </p:clrMapOvr>
+  <p:timing>
+    <p:tnLst>
+      <p:par>
+        <p:cTn id="1" dur="indefinite" restart="never" nodeType="tmRoot"/>
+      </p:par>
+    </p:tnLst>
+  </p:timing>
 </p:sld>
 </file>
 
@@ -8204,6 +8356,13 @@
   <p:clrMapOvr>
     <a:masterClrMapping/>
   </p:clrMapOvr>
+  <p:timing>
+    <p:tnLst>
+      <p:par>
+        <p:cTn id="1" dur="indefinite" restart="never" nodeType="tmRoot"/>
+      </p:par>
+    </p:tnLst>
+  </p:timing>
 </p:sld>
 </file>
 
